--- a/docs/core/executor/executor.pptx
+++ b/docs/core/executor/executor.pptx
@@ -259,7 +259,7 @@
           <a:p>
             <a:fld id="{3440882E-98FE-A74F-B3E7-446DFFFEE21A}" type="datetimeFigureOut">
               <a:rPr lang="en-US" smtClean="0"/>
-              <a:t>12/26/18</a:t>
+              <a:t>12/28/18</a:t>
             </a:fld>
             <a:endParaRPr lang="en-US"/>
           </a:p>
@@ -457,7 +457,7 @@
           <a:p>
             <a:fld id="{3440882E-98FE-A74F-B3E7-446DFFFEE21A}" type="datetimeFigureOut">
               <a:rPr lang="en-US" smtClean="0"/>
-              <a:t>12/26/18</a:t>
+              <a:t>12/28/18</a:t>
             </a:fld>
             <a:endParaRPr lang="en-US"/>
           </a:p>
@@ -665,7 +665,7 @@
           <a:p>
             <a:fld id="{3440882E-98FE-A74F-B3E7-446DFFFEE21A}" type="datetimeFigureOut">
               <a:rPr lang="en-US" smtClean="0"/>
-              <a:t>12/26/18</a:t>
+              <a:t>12/28/18</a:t>
             </a:fld>
             <a:endParaRPr lang="en-US"/>
           </a:p>
@@ -863,7 +863,7 @@
           <a:p>
             <a:fld id="{3440882E-98FE-A74F-B3E7-446DFFFEE21A}" type="datetimeFigureOut">
               <a:rPr lang="en-US" smtClean="0"/>
-              <a:t>12/26/18</a:t>
+              <a:t>12/28/18</a:t>
             </a:fld>
             <a:endParaRPr lang="en-US"/>
           </a:p>
@@ -1138,7 +1138,7 @@
           <a:p>
             <a:fld id="{3440882E-98FE-A74F-B3E7-446DFFFEE21A}" type="datetimeFigureOut">
               <a:rPr lang="en-US" smtClean="0"/>
-              <a:t>12/26/18</a:t>
+              <a:t>12/28/18</a:t>
             </a:fld>
             <a:endParaRPr lang="en-US"/>
           </a:p>
@@ -1403,7 +1403,7 @@
           <a:p>
             <a:fld id="{3440882E-98FE-A74F-B3E7-446DFFFEE21A}" type="datetimeFigureOut">
               <a:rPr lang="en-US" smtClean="0"/>
-              <a:t>12/26/18</a:t>
+              <a:t>12/28/18</a:t>
             </a:fld>
             <a:endParaRPr lang="en-US"/>
           </a:p>
@@ -1815,7 +1815,7 @@
           <a:p>
             <a:fld id="{3440882E-98FE-A74F-B3E7-446DFFFEE21A}" type="datetimeFigureOut">
               <a:rPr lang="en-US" smtClean="0"/>
-              <a:t>12/26/18</a:t>
+              <a:t>12/28/18</a:t>
             </a:fld>
             <a:endParaRPr lang="en-US"/>
           </a:p>
@@ -1956,7 +1956,7 @@
           <a:p>
             <a:fld id="{3440882E-98FE-A74F-B3E7-446DFFFEE21A}" type="datetimeFigureOut">
               <a:rPr lang="en-US" smtClean="0"/>
-              <a:t>12/26/18</a:t>
+              <a:t>12/28/18</a:t>
             </a:fld>
             <a:endParaRPr lang="en-US"/>
           </a:p>
@@ -2069,7 +2069,7 @@
           <a:p>
             <a:fld id="{3440882E-98FE-A74F-B3E7-446DFFFEE21A}" type="datetimeFigureOut">
               <a:rPr lang="en-US" smtClean="0"/>
-              <a:t>12/26/18</a:t>
+              <a:t>12/28/18</a:t>
             </a:fld>
             <a:endParaRPr lang="en-US"/>
           </a:p>
@@ -2380,7 +2380,7 @@
           <a:p>
             <a:fld id="{3440882E-98FE-A74F-B3E7-446DFFFEE21A}" type="datetimeFigureOut">
               <a:rPr lang="en-US" smtClean="0"/>
-              <a:t>12/26/18</a:t>
+              <a:t>12/28/18</a:t>
             </a:fld>
             <a:endParaRPr lang="en-US"/>
           </a:p>
@@ -2668,7 +2668,7 @@
           <a:p>
             <a:fld id="{3440882E-98FE-A74F-B3E7-446DFFFEE21A}" type="datetimeFigureOut">
               <a:rPr lang="en-US" smtClean="0"/>
-              <a:t>12/26/18</a:t>
+              <a:t>12/28/18</a:t>
             </a:fld>
             <a:endParaRPr lang="en-US"/>
           </a:p>
@@ -2909,7 +2909,7 @@
           <a:p>
             <a:fld id="{3440882E-98FE-A74F-B3E7-446DFFFEE21A}" type="datetimeFigureOut">
               <a:rPr lang="en-US" smtClean="0"/>
-              <a:t>12/26/18</a:t>
+              <a:t>12/28/18</a:t>
             </a:fld>
             <a:endParaRPr lang="en-US"/>
           </a:p>
@@ -3340,8 +3340,8 @@
         </p:nvSpPr>
         <p:spPr>
           <a:xfrm>
-            <a:off x="1197203" y="2413261"/>
-            <a:ext cx="2201989" cy="1348033"/>
+            <a:off x="1197203" y="2274455"/>
+            <a:ext cx="2201989" cy="1486839"/>
           </a:xfrm>
           <a:prstGeom prst="rect">
             <a:avLst/>
@@ -3384,8 +3384,8 @@
         </p:nvSpPr>
         <p:spPr>
           <a:xfrm>
-            <a:off x="5175316" y="1168923"/>
-            <a:ext cx="5740924" cy="4152506"/>
+            <a:off x="5175316" y="756746"/>
+            <a:ext cx="5740924" cy="4564684"/>
           </a:xfrm>
           <a:prstGeom prst="rect">
             <a:avLst/>
@@ -3475,8 +3475,8 @@
         </p:nvSpPr>
         <p:spPr>
           <a:xfrm>
-            <a:off x="1901627" y="2397430"/>
-            <a:ext cx="757900" cy="369332"/>
+            <a:off x="1901627" y="2271306"/>
+            <a:ext cx="841128" cy="400110"/>
           </a:xfrm>
           <a:prstGeom prst="rect">
             <a:avLst/>
@@ -3490,7 +3490,7 @@
           <a:lstStyle/>
           <a:p>
             <a:r>
-              <a:rPr lang="en-US" dirty="0"/>
+              <a:rPr lang="en-US" sz="2000" b="1" i="1" dirty="0"/>
               <a:t>Driver</a:t>
             </a:r>
           </a:p>
@@ -3557,7 +3557,7 @@
         </p:nvSpPr>
         <p:spPr>
           <a:xfrm>
-            <a:off x="2535979" y="5177542"/>
+            <a:off x="3934771" y="4482102"/>
             <a:ext cx="1255087" cy="369332"/>
           </a:xfrm>
           <a:prstGeom prst="rect">
@@ -4041,19 +4041,20 @@
             </a:extLst>
           </p:cNvPr>
           <p:cNvCxnSpPr>
-            <a:stCxn id="6" idx="2"/>
-            <a:endCxn id="21" idx="2"/>
+            <a:cxnSpLocks/>
+            <a:stCxn id="6" idx="3"/>
+            <a:endCxn id="21" idx="1"/>
           </p:cNvCxnSpPr>
           <p:nvPr/>
         </p:nvCxnSpPr>
         <p:spPr>
-          <a:xfrm rot="16200000" flipH="1">
-            <a:off x="4068300" y="1799173"/>
-            <a:ext cx="1548230" cy="5123677"/>
+          <a:xfrm>
+            <a:off x="3175414" y="3195685"/>
+            <a:ext cx="2489093" cy="1677248"/>
           </a:xfrm>
           <a:prstGeom prst="bentConnector3">
             <a:avLst>
-              <a:gd name="adj1" fmla="val 126943"/>
+              <a:gd name="adj1" fmla="val 13264"/>
             </a:avLst>
           </a:prstGeom>
           <a:ln>
@@ -4085,19 +4086,20 @@
             </a:extLst>
           </p:cNvPr>
           <p:cNvCxnSpPr>
-            <a:stCxn id="21" idx="1"/>
-            <a:endCxn id="4" idx="3"/>
+            <a:cxnSpLocks/>
+            <a:stCxn id="21" idx="2"/>
+            <a:endCxn id="4" idx="2"/>
           </p:cNvCxnSpPr>
           <p:nvPr/>
         </p:nvCxnSpPr>
         <p:spPr>
-          <a:xfrm rot="10800000">
-            <a:off x="3399193" y="3087279"/>
-            <a:ext cx="2265315" cy="1785655"/>
+          <a:xfrm rot="5400000" flipH="1">
+            <a:off x="4164309" y="1895183"/>
+            <a:ext cx="1373833" cy="5106056"/>
           </a:xfrm>
           <a:prstGeom prst="bentConnector3">
             <a:avLst>
-              <a:gd name="adj1" fmla="val 87037"/>
+              <a:gd name="adj1" fmla="val -34236"/>
             </a:avLst>
           </a:prstGeom>
           <a:ln>
@@ -4133,7 +4135,7 @@
         </p:nvSpPr>
         <p:spPr>
           <a:xfrm>
-            <a:off x="3712028" y="4499842"/>
+            <a:off x="4213404" y="5700737"/>
             <a:ext cx="1451103" cy="369332"/>
           </a:xfrm>
           <a:prstGeom prst="rect">
@@ -4149,6 +4151,251 @@
             <a:r>
               <a:rPr lang="en-US" dirty="0"/>
               <a:t>StatusUpdate</a:t>
+            </a:r>
+          </a:p>
+        </p:txBody>
+      </p:sp>
+      <p:sp>
+        <p:nvSpPr>
+          <p:cNvPr id="2" name="TextBox 1">
+            <a:extLst>
+              <a:ext uri="{FF2B5EF4-FFF2-40B4-BE49-F238E27FC236}">
+                <a16:creationId xmlns:a16="http://schemas.microsoft.com/office/drawing/2014/main" id="{18748BF7-5127-A64A-AACD-77E2BE2C42AA}"/>
+              </a:ext>
+            </a:extLst>
+          </p:cNvPr>
+          <p:cNvSpPr txBox="1"/>
+          <p:nvPr/>
+        </p:nvSpPr>
+        <p:spPr>
+          <a:xfrm>
+            <a:off x="3593085" y="4471592"/>
+            <a:ext cx="442750" cy="369332"/>
+          </a:xfrm>
+          <a:prstGeom prst="rect">
+            <a:avLst/>
+          </a:prstGeom>
+          <a:noFill/>
+        </p:spPr>
+        <p:txBody>
+          <a:bodyPr wrap="none" rtlCol="0">
+            <a:spAutoFit/>
+          </a:bodyPr>
+          <a:lstStyle/>
+          <a:p>
+            <a:r>
+              <a:rPr lang="en-US" dirty="0"/>
+              <a:t>(1)</a:t>
+            </a:r>
+          </a:p>
+        </p:txBody>
+      </p:sp>
+      <p:sp>
+        <p:nvSpPr>
+          <p:cNvPr id="23" name="TextBox 22">
+            <a:extLst>
+              <a:ext uri="{FF2B5EF4-FFF2-40B4-BE49-F238E27FC236}">
+                <a16:creationId xmlns:a16="http://schemas.microsoft.com/office/drawing/2014/main" id="{15754720-188C-8C40-9AAC-68DC8FA18542}"/>
+              </a:ext>
+            </a:extLst>
+          </p:cNvPr>
+          <p:cNvSpPr txBox="1"/>
+          <p:nvPr/>
+        </p:nvSpPr>
+        <p:spPr>
+          <a:xfrm>
+            <a:off x="6896718" y="4171224"/>
+            <a:ext cx="442750" cy="369332"/>
+          </a:xfrm>
+          <a:prstGeom prst="rect">
+            <a:avLst/>
+          </a:prstGeom>
+          <a:noFill/>
+        </p:spPr>
+        <p:txBody>
+          <a:bodyPr wrap="none" rtlCol="0">
+            <a:spAutoFit/>
+          </a:bodyPr>
+          <a:lstStyle/>
+          <a:p>
+            <a:r>
+              <a:rPr lang="en-US" dirty="0"/>
+              <a:t>(2)</a:t>
+            </a:r>
+          </a:p>
+        </p:txBody>
+      </p:sp>
+      <p:sp>
+        <p:nvSpPr>
+          <p:cNvPr id="24" name="TextBox 23">
+            <a:extLst>
+              <a:ext uri="{FF2B5EF4-FFF2-40B4-BE49-F238E27FC236}">
+                <a16:creationId xmlns:a16="http://schemas.microsoft.com/office/drawing/2014/main" id="{D54755EF-39BE-A14E-BC62-517FA7F10529}"/>
+              </a:ext>
+            </a:extLst>
+          </p:cNvPr>
+          <p:cNvSpPr txBox="1"/>
+          <p:nvPr/>
+        </p:nvSpPr>
+        <p:spPr>
+          <a:xfrm>
+            <a:off x="6961502" y="3070852"/>
+            <a:ext cx="442750" cy="369332"/>
+          </a:xfrm>
+          <a:prstGeom prst="rect">
+            <a:avLst/>
+          </a:prstGeom>
+          <a:noFill/>
+        </p:spPr>
+        <p:txBody>
+          <a:bodyPr wrap="none" rtlCol="0">
+            <a:spAutoFit/>
+          </a:bodyPr>
+          <a:lstStyle/>
+          <a:p>
+            <a:r>
+              <a:rPr lang="en-US" dirty="0"/>
+              <a:t>(3)</a:t>
+            </a:r>
+          </a:p>
+        </p:txBody>
+      </p:sp>
+      <p:sp>
+        <p:nvSpPr>
+          <p:cNvPr id="25" name="TextBox 24">
+            <a:extLst>
+              <a:ext uri="{FF2B5EF4-FFF2-40B4-BE49-F238E27FC236}">
+                <a16:creationId xmlns:a16="http://schemas.microsoft.com/office/drawing/2014/main" id="{73484904-C027-E44A-9856-8642D4BAC074}"/>
+              </a:ext>
+            </a:extLst>
+          </p:cNvPr>
+          <p:cNvSpPr txBox="1"/>
+          <p:nvPr/>
+        </p:nvSpPr>
+        <p:spPr>
+          <a:xfrm>
+            <a:off x="6961502" y="1955872"/>
+            <a:ext cx="442750" cy="369332"/>
+          </a:xfrm>
+          <a:prstGeom prst="rect">
+            <a:avLst/>
+          </a:prstGeom>
+          <a:noFill/>
+        </p:spPr>
+        <p:txBody>
+          <a:bodyPr wrap="none" rtlCol="0">
+            <a:spAutoFit/>
+          </a:bodyPr>
+          <a:lstStyle/>
+          <a:p>
+            <a:r>
+              <a:rPr lang="en-US" dirty="0"/>
+              <a:t>(4)</a:t>
+            </a:r>
+          </a:p>
+        </p:txBody>
+      </p:sp>
+      <p:sp>
+        <p:nvSpPr>
+          <p:cNvPr id="26" name="TextBox 25">
+            <a:extLst>
+              <a:ext uri="{FF2B5EF4-FFF2-40B4-BE49-F238E27FC236}">
+                <a16:creationId xmlns:a16="http://schemas.microsoft.com/office/drawing/2014/main" id="{F4A08DD9-F2D5-394D-B39E-CFD063CA8099}"/>
+              </a:ext>
+            </a:extLst>
+          </p:cNvPr>
+          <p:cNvSpPr txBox="1"/>
+          <p:nvPr/>
+        </p:nvSpPr>
+        <p:spPr>
+          <a:xfrm>
+            <a:off x="10359241" y="1423727"/>
+            <a:ext cx="442750" cy="369332"/>
+          </a:xfrm>
+          <a:prstGeom prst="rect">
+            <a:avLst/>
+          </a:prstGeom>
+          <a:noFill/>
+        </p:spPr>
+        <p:txBody>
+          <a:bodyPr wrap="none" rtlCol="0">
+            <a:spAutoFit/>
+          </a:bodyPr>
+          <a:lstStyle/>
+          <a:p>
+            <a:r>
+              <a:rPr lang="en-US" dirty="0"/>
+              <a:t>(5)</a:t>
+            </a:r>
+          </a:p>
+        </p:txBody>
+      </p:sp>
+      <p:sp>
+        <p:nvSpPr>
+          <p:cNvPr id="27" name="TextBox 26">
+            <a:extLst>
+              <a:ext uri="{FF2B5EF4-FFF2-40B4-BE49-F238E27FC236}">
+                <a16:creationId xmlns:a16="http://schemas.microsoft.com/office/drawing/2014/main" id="{2DD65724-FF7B-D745-A280-6C5DF7FC955A}"/>
+              </a:ext>
+            </a:extLst>
+          </p:cNvPr>
+          <p:cNvSpPr txBox="1"/>
+          <p:nvPr/>
+        </p:nvSpPr>
+        <p:spPr>
+          <a:xfrm>
+            <a:off x="3859992" y="5687296"/>
+            <a:ext cx="442750" cy="369332"/>
+          </a:xfrm>
+          <a:prstGeom prst="rect">
+            <a:avLst/>
+          </a:prstGeom>
+          <a:noFill/>
+        </p:spPr>
+        <p:txBody>
+          <a:bodyPr wrap="none" rtlCol="0">
+            <a:spAutoFit/>
+          </a:bodyPr>
+          <a:lstStyle/>
+          <a:p>
+            <a:r>
+              <a:rPr lang="en-US" dirty="0"/>
+              <a:t>(6)</a:t>
+            </a:r>
+          </a:p>
+        </p:txBody>
+      </p:sp>
+      <p:sp>
+        <p:nvSpPr>
+          <p:cNvPr id="7" name="TextBox 6">
+            <a:extLst>
+              <a:ext uri="{FF2B5EF4-FFF2-40B4-BE49-F238E27FC236}">
+                <a16:creationId xmlns:a16="http://schemas.microsoft.com/office/drawing/2014/main" id="{D4E41FDA-77D8-4742-BCFF-1FF169CC670E}"/>
+              </a:ext>
+            </a:extLst>
+          </p:cNvPr>
+          <p:cNvSpPr txBox="1"/>
+          <p:nvPr/>
+        </p:nvSpPr>
+        <p:spPr>
+          <a:xfrm>
+            <a:off x="7628683" y="775407"/>
+            <a:ext cx="1112164" cy="400110"/>
+          </a:xfrm>
+          <a:prstGeom prst="rect">
+            <a:avLst/>
+          </a:prstGeom>
+          <a:noFill/>
+        </p:spPr>
+        <p:txBody>
+          <a:bodyPr wrap="none" rtlCol="0">
+            <a:spAutoFit/>
+          </a:bodyPr>
+          <a:lstStyle/>
+          <a:p>
+            <a:r>
+              <a:rPr lang="en-US" sz="2000" b="1" i="1" dirty="0"/>
+              <a:t>Executor</a:t>
             </a:r>
           </a:p>
         </p:txBody>
